--- a/powerpoint/Méthode_SCRUM.pptx
+++ b/powerpoint/Méthode_SCRUM.pptx
@@ -104,7 +104,41 @@
       </a:defRPr>
     </a:lvl9pPr>
   </p:defaultTextStyle>
+  <p:extLst>
+    <p:ext uri="{EFAFB233-063F-42B5-8137-9DF3F51BA10A}">
+      <p15:sldGuideLst xmlns:p15="http://schemas.microsoft.com/office/powerpoint/2012/main"/>
+    </p:ext>
+  </p:extLst>
 </p:presentation>
+</file>
+
+<file path=ppt/revisionInfo.xml><?xml version="1.0" encoding="utf-8"?>
+<p1510:revInfo xmlns:a="http://schemas.openxmlformats.org/drawingml/2006/main" xmlns:r="http://schemas.openxmlformats.org/officeDocument/2006/relationships" xmlns:p1510="http://schemas.microsoft.com/office/powerpoint/2015/10/main">
+  <p1510:revLst>
+    <p1510:client id="{1F0E535F-445E-4FF1-B155-FEC33B825F39}" v="87" dt="2021-05-31T07:37:05.732"/>
+  </p1510:revLst>
+</p1510:revInfo>
+</file>
+
+<file path=ppt/changesInfos/changesInfo1.xml><?xml version="1.0" encoding="utf-8"?>
+<pc:chgInfo xmlns:a="http://schemas.openxmlformats.org/drawingml/2006/main" xmlns:r="http://schemas.openxmlformats.org/officeDocument/2006/relationships" xmlns:ac="http://schemas.microsoft.com/office/drawing/2013/main/command" xmlns:pc="http://schemas.microsoft.com/office/powerpoint/2013/main/command">
+  <pc:docChgLst>
+    <pc:chgData name="Hugo Demenez" userId="d9cfc3e2c6849f9d" providerId="LiveId" clId="{1F0E535F-445E-4FF1-B155-FEC33B825F39}"/>
+    <pc:docChg chg="modSld">
+      <pc:chgData name="Hugo Demenez" userId="d9cfc3e2c6849f9d" providerId="LiveId" clId="{1F0E535F-445E-4FF1-B155-FEC33B825F39}" dt="2021-05-31T07:37:05.732" v="86"/>
+      <pc:docMkLst>
+        <pc:docMk/>
+      </pc:docMkLst>
+      <pc:sldChg chg="modAnim">
+        <pc:chgData name="Hugo Demenez" userId="d9cfc3e2c6849f9d" providerId="LiveId" clId="{1F0E535F-445E-4FF1-B155-FEC33B825F39}" dt="2021-05-31T07:37:05.732" v="86"/>
+        <pc:sldMkLst>
+          <pc:docMk/>
+          <pc:sldMk cId="1783618227" sldId="256"/>
+        </pc:sldMkLst>
+      </pc:sldChg>
+    </pc:docChg>
+  </pc:docChgLst>
+</pc:chgInfo>
 </file>
 
 <file path=ppt/slideLayouts/slideLayout1.xml><?xml version="1.0" encoding="utf-8"?>
@@ -254,7 +288,7 @@
           <a:p>
             <a:fld id="{DE65193B-1ACD-41B2-91EA-EE53B77F62BF}" type="datetimeFigureOut">
               <a:rPr lang="fr-FR" smtClean="0"/>
-              <a:t>18/05/2021</a:t>
+              <a:t>31/05/2021</a:t>
             </a:fld>
             <a:endParaRPr lang="fr-FR"/>
           </a:p>
@@ -452,7 +486,7 @@
           <a:p>
             <a:fld id="{DE65193B-1ACD-41B2-91EA-EE53B77F62BF}" type="datetimeFigureOut">
               <a:rPr lang="fr-FR" smtClean="0"/>
-              <a:t>18/05/2021</a:t>
+              <a:t>31/05/2021</a:t>
             </a:fld>
             <a:endParaRPr lang="fr-FR"/>
           </a:p>
@@ -660,7 +694,7 @@
           <a:p>
             <a:fld id="{DE65193B-1ACD-41B2-91EA-EE53B77F62BF}" type="datetimeFigureOut">
               <a:rPr lang="fr-FR" smtClean="0"/>
-              <a:t>18/05/2021</a:t>
+              <a:t>31/05/2021</a:t>
             </a:fld>
             <a:endParaRPr lang="fr-FR"/>
           </a:p>
@@ -858,7 +892,7 @@
           <a:p>
             <a:fld id="{DE65193B-1ACD-41B2-91EA-EE53B77F62BF}" type="datetimeFigureOut">
               <a:rPr lang="fr-FR" smtClean="0"/>
-              <a:t>18/05/2021</a:t>
+              <a:t>31/05/2021</a:t>
             </a:fld>
             <a:endParaRPr lang="fr-FR"/>
           </a:p>
@@ -1133,7 +1167,7 @@
           <a:p>
             <a:fld id="{DE65193B-1ACD-41B2-91EA-EE53B77F62BF}" type="datetimeFigureOut">
               <a:rPr lang="fr-FR" smtClean="0"/>
-              <a:t>18/05/2021</a:t>
+              <a:t>31/05/2021</a:t>
             </a:fld>
             <a:endParaRPr lang="fr-FR"/>
           </a:p>
@@ -1398,7 +1432,7 @@
           <a:p>
             <a:fld id="{DE65193B-1ACD-41B2-91EA-EE53B77F62BF}" type="datetimeFigureOut">
               <a:rPr lang="fr-FR" smtClean="0"/>
-              <a:t>18/05/2021</a:t>
+              <a:t>31/05/2021</a:t>
             </a:fld>
             <a:endParaRPr lang="fr-FR"/>
           </a:p>
@@ -1810,7 +1844,7 @@
           <a:p>
             <a:fld id="{DE65193B-1ACD-41B2-91EA-EE53B77F62BF}" type="datetimeFigureOut">
               <a:rPr lang="fr-FR" smtClean="0"/>
-              <a:t>18/05/2021</a:t>
+              <a:t>31/05/2021</a:t>
             </a:fld>
             <a:endParaRPr lang="fr-FR"/>
           </a:p>
@@ -1951,7 +1985,7 @@
           <a:p>
             <a:fld id="{DE65193B-1ACD-41B2-91EA-EE53B77F62BF}" type="datetimeFigureOut">
               <a:rPr lang="fr-FR" smtClean="0"/>
-              <a:t>18/05/2021</a:t>
+              <a:t>31/05/2021</a:t>
             </a:fld>
             <a:endParaRPr lang="fr-FR"/>
           </a:p>
@@ -2064,7 +2098,7 @@
           <a:p>
             <a:fld id="{DE65193B-1ACD-41B2-91EA-EE53B77F62BF}" type="datetimeFigureOut">
               <a:rPr lang="fr-FR" smtClean="0"/>
-              <a:t>18/05/2021</a:t>
+              <a:t>31/05/2021</a:t>
             </a:fld>
             <a:endParaRPr lang="fr-FR"/>
           </a:p>
@@ -2375,7 +2409,7 @@
           <a:p>
             <a:fld id="{DE65193B-1ACD-41B2-91EA-EE53B77F62BF}" type="datetimeFigureOut">
               <a:rPr lang="fr-FR" smtClean="0"/>
-              <a:t>18/05/2021</a:t>
+              <a:t>31/05/2021</a:t>
             </a:fld>
             <a:endParaRPr lang="fr-FR"/>
           </a:p>
@@ -2663,7 +2697,7 @@
           <a:p>
             <a:fld id="{DE65193B-1ACD-41B2-91EA-EE53B77F62BF}" type="datetimeFigureOut">
               <a:rPr lang="fr-FR" smtClean="0"/>
-              <a:t>18/05/2021</a:t>
+              <a:t>31/05/2021</a:t>
             </a:fld>
             <a:endParaRPr lang="fr-FR"/>
           </a:p>
@@ -2904,7 +2938,7 @@
           <a:p>
             <a:fld id="{DE65193B-1ACD-41B2-91EA-EE53B77F62BF}" type="datetimeFigureOut">
               <a:rPr lang="fr-FR" smtClean="0"/>
-              <a:t>18/05/2021</a:t>
+              <a:t>31/05/2021</a:t>
             </a:fld>
             <a:endParaRPr lang="fr-FR"/>
           </a:p>
@@ -4562,7 +4596,7 @@
                             </p:stCondLst>
                             <p:childTnLst>
                               <p:par>
-                                <p:cTn id="11" presetID="47" presetClass="entr" presetSubtype="0" fill="hold" grpId="0" nodeType="clickEffect">
+                                <p:cTn id="11" presetID="2" presetClass="entr" presetSubtype="8" fill="hold" grpId="0" nodeType="clickEffect">
                                   <p:stCondLst>
                                     <p:cond delay="0"/>
                                   </p:stCondLst>
@@ -4585,17 +4619,9 @@
                                         <p:strVal val="visible"/>
                                       </p:to>
                                     </p:set>
-                                    <p:animEffect transition="in" filter="fade">
-                                      <p:cBhvr>
-                                        <p:cTn id="13" dur="1000"/>
-                                        <p:tgtEl>
-                                          <p:spTgt spid="20"/>
-                                        </p:tgtEl>
-                                      </p:cBhvr>
-                                    </p:animEffect>
                                     <p:anim calcmode="lin" valueType="num">
-                                      <p:cBhvr>
-                                        <p:cTn id="14" dur="1000" fill="hold"/>
+                                      <p:cBhvr additive="base">
+                                        <p:cTn id="13" dur="500" fill="hold"/>
                                         <p:tgtEl>
                                           <p:spTgt spid="20"/>
                                         </p:tgtEl>
@@ -4606,7 +4632,7 @@
                                       <p:tavLst>
                                         <p:tav tm="0">
                                           <p:val>
-                                            <p:strVal val="#ppt_x"/>
+                                            <p:strVal val="0-#ppt_w/2"/>
                                           </p:val>
                                         </p:tav>
                                         <p:tav tm="100000">
@@ -4617,8 +4643,8 @@
                                       </p:tavLst>
                                     </p:anim>
                                     <p:anim calcmode="lin" valueType="num">
-                                      <p:cBhvr>
-                                        <p:cTn id="15" dur="1000" fill="hold"/>
+                                      <p:cBhvr additive="base">
+                                        <p:cTn id="14" dur="500" fill="hold"/>
                                         <p:tgtEl>
                                           <p:spTgt spid="20"/>
                                         </p:tgtEl>
@@ -4629,7 +4655,7 @@
                                       <p:tavLst>
                                         <p:tav tm="0">
                                           <p:val>
-                                            <p:strVal val="#ppt_y-.1"/>
+                                            <p:strVal val="#ppt_y"/>
                                           </p:val>
                                         </p:tav>
                                         <p:tav tm="100000">
@@ -4643,14 +4669,14 @@
                                 </p:cTn>
                               </p:par>
                               <p:par>
-                                <p:cTn id="16" presetID="47" presetClass="entr" presetSubtype="0" fill="hold" nodeType="withEffect">
+                                <p:cTn id="15" presetID="10" presetClass="entr" presetSubtype="0" fill="hold" nodeType="withEffect">
                                   <p:stCondLst>
                                     <p:cond delay="0"/>
                                   </p:stCondLst>
                                   <p:childTnLst>
                                     <p:set>
                                       <p:cBhvr>
-                                        <p:cTn id="17" dur="1" fill="hold">
+                                        <p:cTn id="16" dur="1" fill="hold">
                                           <p:stCondLst>
                                             <p:cond delay="0"/>
                                           </p:stCondLst>
@@ -4668,58 +4694,12 @@
                                     </p:set>
                                     <p:animEffect transition="in" filter="fade">
                                       <p:cBhvr>
-                                        <p:cTn id="18" dur="1000"/>
+                                        <p:cTn id="17" dur="1000"/>
                                         <p:tgtEl>
                                           <p:spTgt spid="25"/>
                                         </p:tgtEl>
                                       </p:cBhvr>
                                     </p:animEffect>
-                                    <p:anim calcmode="lin" valueType="num">
-                                      <p:cBhvr>
-                                        <p:cTn id="19" dur="1000" fill="hold"/>
-                                        <p:tgtEl>
-                                          <p:spTgt spid="25"/>
-                                        </p:tgtEl>
-                                        <p:attrNameLst>
-                                          <p:attrName>ppt_x</p:attrName>
-                                        </p:attrNameLst>
-                                      </p:cBhvr>
-                                      <p:tavLst>
-                                        <p:tav tm="0">
-                                          <p:val>
-                                            <p:strVal val="#ppt_x"/>
-                                          </p:val>
-                                        </p:tav>
-                                        <p:tav tm="100000">
-                                          <p:val>
-                                            <p:strVal val="#ppt_x"/>
-                                          </p:val>
-                                        </p:tav>
-                                      </p:tavLst>
-                                    </p:anim>
-                                    <p:anim calcmode="lin" valueType="num">
-                                      <p:cBhvr>
-                                        <p:cTn id="20" dur="1000" fill="hold"/>
-                                        <p:tgtEl>
-                                          <p:spTgt spid="25"/>
-                                        </p:tgtEl>
-                                        <p:attrNameLst>
-                                          <p:attrName>ppt_y</p:attrName>
-                                        </p:attrNameLst>
-                                      </p:cBhvr>
-                                      <p:tavLst>
-                                        <p:tav tm="0">
-                                          <p:val>
-                                            <p:strVal val="#ppt_y-.1"/>
-                                          </p:val>
-                                        </p:tav>
-                                        <p:tav tm="100000">
-                                          <p:val>
-                                            <p:strVal val="#ppt_y"/>
-                                          </p:val>
-                                        </p:tav>
-                                      </p:tavLst>
-                                    </p:anim>
                                   </p:childTnLst>
                                 </p:cTn>
                               </p:par>
@@ -4730,26 +4710,26 @@
                     </p:cTn>
                   </p:par>
                   <p:par>
-                    <p:cTn id="21" fill="hold">
+                    <p:cTn id="18" fill="hold">
                       <p:stCondLst>
                         <p:cond delay="indefinite"/>
                       </p:stCondLst>
                       <p:childTnLst>
                         <p:par>
-                          <p:cTn id="22" fill="hold">
+                          <p:cTn id="19" fill="hold">
                             <p:stCondLst>
                               <p:cond delay="0"/>
                             </p:stCondLst>
                             <p:childTnLst>
                               <p:par>
-                                <p:cTn id="23" presetID="42" presetClass="entr" presetSubtype="0" fill="hold" nodeType="clickEffect">
+                                <p:cTn id="20" presetID="10" presetClass="entr" presetSubtype="0" fill="hold" nodeType="clickEffect">
                                   <p:stCondLst>
                                     <p:cond delay="0"/>
                                   </p:stCondLst>
                                   <p:childTnLst>
                                     <p:set>
                                       <p:cBhvr>
-                                        <p:cTn id="24" dur="1" fill="hold">
+                                        <p:cTn id="21" dur="1" fill="hold">
                                           <p:stCondLst>
                                             <p:cond delay="0"/>
                                           </p:stCondLst>
@@ -4767,70 +4747,24 @@
                                     </p:set>
                                     <p:animEffect transition="in" filter="fade">
                                       <p:cBhvr>
-                                        <p:cTn id="25" dur="1000"/>
+                                        <p:cTn id="22" dur="500"/>
                                         <p:tgtEl>
                                           <p:spTgt spid="17"/>
                                         </p:tgtEl>
                                       </p:cBhvr>
                                     </p:animEffect>
-                                    <p:anim calcmode="lin" valueType="num">
-                                      <p:cBhvr>
-                                        <p:cTn id="26" dur="1000" fill="hold"/>
-                                        <p:tgtEl>
-                                          <p:spTgt spid="17"/>
-                                        </p:tgtEl>
-                                        <p:attrNameLst>
-                                          <p:attrName>ppt_x</p:attrName>
-                                        </p:attrNameLst>
-                                      </p:cBhvr>
-                                      <p:tavLst>
-                                        <p:tav tm="0">
-                                          <p:val>
-                                            <p:strVal val="#ppt_x"/>
-                                          </p:val>
-                                        </p:tav>
-                                        <p:tav tm="100000">
-                                          <p:val>
-                                            <p:strVal val="#ppt_x"/>
-                                          </p:val>
-                                        </p:tav>
-                                      </p:tavLst>
-                                    </p:anim>
-                                    <p:anim calcmode="lin" valueType="num">
-                                      <p:cBhvr>
-                                        <p:cTn id="27" dur="1000" fill="hold"/>
-                                        <p:tgtEl>
-                                          <p:spTgt spid="17"/>
-                                        </p:tgtEl>
-                                        <p:attrNameLst>
-                                          <p:attrName>ppt_y</p:attrName>
-                                        </p:attrNameLst>
-                                      </p:cBhvr>
-                                      <p:tavLst>
-                                        <p:tav tm="0">
-                                          <p:val>
-                                            <p:strVal val="#ppt_y+.1"/>
-                                          </p:val>
-                                        </p:tav>
-                                        <p:tav tm="100000">
-                                          <p:val>
-                                            <p:strVal val="#ppt_y"/>
-                                          </p:val>
-                                        </p:tav>
-                                      </p:tavLst>
-                                    </p:anim>
                                   </p:childTnLst>
                                 </p:cTn>
                               </p:par>
                               <p:par>
-                                <p:cTn id="28" presetID="42" presetClass="entr" presetSubtype="0" fill="hold" grpId="0" nodeType="withEffect">
+                                <p:cTn id="23" presetID="10" presetClass="entr" presetSubtype="0" fill="hold" grpId="0" nodeType="withEffect">
                                   <p:stCondLst>
                                     <p:cond delay="0"/>
                                   </p:stCondLst>
                                   <p:childTnLst>
                                     <p:set>
                                       <p:cBhvr>
-                                        <p:cTn id="29" dur="1" fill="hold">
+                                        <p:cTn id="24" dur="1" fill="hold">
                                           <p:stCondLst>
                                             <p:cond delay="0"/>
                                           </p:stCondLst>
@@ -4848,58 +4782,12 @@
                                     </p:set>
                                     <p:animEffect transition="in" filter="fade">
                                       <p:cBhvr>
-                                        <p:cTn id="30" dur="1000"/>
+                                        <p:cTn id="25" dur="500"/>
                                         <p:tgtEl>
                                           <p:spTgt spid="26"/>
                                         </p:tgtEl>
                                       </p:cBhvr>
                                     </p:animEffect>
-                                    <p:anim calcmode="lin" valueType="num">
-                                      <p:cBhvr>
-                                        <p:cTn id="31" dur="1000" fill="hold"/>
-                                        <p:tgtEl>
-                                          <p:spTgt spid="26"/>
-                                        </p:tgtEl>
-                                        <p:attrNameLst>
-                                          <p:attrName>ppt_x</p:attrName>
-                                        </p:attrNameLst>
-                                      </p:cBhvr>
-                                      <p:tavLst>
-                                        <p:tav tm="0">
-                                          <p:val>
-                                            <p:strVal val="#ppt_x"/>
-                                          </p:val>
-                                        </p:tav>
-                                        <p:tav tm="100000">
-                                          <p:val>
-                                            <p:strVal val="#ppt_x"/>
-                                          </p:val>
-                                        </p:tav>
-                                      </p:tavLst>
-                                    </p:anim>
-                                    <p:anim calcmode="lin" valueType="num">
-                                      <p:cBhvr>
-                                        <p:cTn id="32" dur="1000" fill="hold"/>
-                                        <p:tgtEl>
-                                          <p:spTgt spid="26"/>
-                                        </p:tgtEl>
-                                        <p:attrNameLst>
-                                          <p:attrName>ppt_y</p:attrName>
-                                        </p:attrNameLst>
-                                      </p:cBhvr>
-                                      <p:tavLst>
-                                        <p:tav tm="0">
-                                          <p:val>
-                                            <p:strVal val="#ppt_y+.1"/>
-                                          </p:val>
-                                        </p:tav>
-                                        <p:tav tm="100000">
-                                          <p:val>
-                                            <p:strVal val="#ppt_y"/>
-                                          </p:val>
-                                        </p:tav>
-                                      </p:tavLst>
-                                    </p:anim>
                                   </p:childTnLst>
                                 </p:cTn>
                               </p:par>
@@ -4910,26 +4798,26 @@
                     </p:cTn>
                   </p:par>
                   <p:par>
-                    <p:cTn id="33" fill="hold">
+                    <p:cTn id="26" fill="hold">
                       <p:stCondLst>
                         <p:cond delay="indefinite"/>
                       </p:stCondLst>
                       <p:childTnLst>
                         <p:par>
-                          <p:cTn id="34" fill="hold">
+                          <p:cTn id="27" fill="hold">
                             <p:stCondLst>
                               <p:cond delay="0"/>
                             </p:stCondLst>
                             <p:childTnLst>
                               <p:par>
-                                <p:cTn id="35" presetID="2" presetClass="entr" presetSubtype="8" fill="hold" grpId="0" nodeType="clickEffect">
+                                <p:cTn id="28" presetID="2" presetClass="entr" presetSubtype="8" fill="hold" grpId="0" nodeType="clickEffect">
                                   <p:stCondLst>
                                     <p:cond delay="0"/>
                                   </p:stCondLst>
                                   <p:childTnLst>
                                     <p:set>
                                       <p:cBhvr>
-                                        <p:cTn id="36" dur="1" fill="hold">
+                                        <p:cTn id="29" dur="1" fill="hold">
                                           <p:stCondLst>
                                             <p:cond delay="0"/>
                                           </p:stCondLst>
@@ -4947,7 +4835,7 @@
                                     </p:set>
                                     <p:anim calcmode="lin" valueType="num">
                                       <p:cBhvr additive="base">
-                                        <p:cTn id="37" dur="500" fill="hold"/>
+                                        <p:cTn id="30" dur="500" fill="hold"/>
                                         <p:tgtEl>
                                           <p:spTgt spid="21"/>
                                         </p:tgtEl>
@@ -4970,7 +4858,7 @@
                                     </p:anim>
                                     <p:anim calcmode="lin" valueType="num">
                                       <p:cBhvr additive="base">
-                                        <p:cTn id="38" dur="500" fill="hold"/>
+                                        <p:cTn id="31" dur="500" fill="hold"/>
                                         <p:tgtEl>
                                           <p:spTgt spid="21"/>
                                         </p:tgtEl>
@@ -5001,26 +4889,26 @@
                     </p:cTn>
                   </p:par>
                   <p:par>
-                    <p:cTn id="39" fill="hold">
+                    <p:cTn id="32" fill="hold">
                       <p:stCondLst>
                         <p:cond delay="indefinite"/>
                       </p:stCondLst>
                       <p:childTnLst>
                         <p:par>
-                          <p:cTn id="40" fill="hold">
+                          <p:cTn id="33" fill="hold">
                             <p:stCondLst>
                               <p:cond delay="0"/>
                             </p:stCondLst>
                             <p:childTnLst>
                               <p:par>
-                                <p:cTn id="41" presetID="42" presetClass="entr" presetSubtype="0" fill="hold" nodeType="clickEffect">
+                                <p:cTn id="34" presetID="10" presetClass="entr" presetSubtype="0" fill="hold" nodeType="clickEffect">
                                   <p:stCondLst>
                                     <p:cond delay="0"/>
                                   </p:stCondLst>
                                   <p:childTnLst>
                                     <p:set>
                                       <p:cBhvr>
-                                        <p:cTn id="42" dur="1" fill="hold">
+                                        <p:cTn id="35" dur="1" fill="hold">
                                           <p:stCondLst>
                                             <p:cond delay="0"/>
                                           </p:stCondLst>
@@ -5038,58 +4926,12 @@
                                     </p:set>
                                     <p:animEffect transition="in" filter="fade">
                                       <p:cBhvr>
-                                        <p:cTn id="43" dur="1000"/>
+                                        <p:cTn id="36" dur="1500"/>
                                         <p:tgtEl>
                                           <p:spTgt spid="13"/>
                                         </p:tgtEl>
                                       </p:cBhvr>
                                     </p:animEffect>
-                                    <p:anim calcmode="lin" valueType="num">
-                                      <p:cBhvr>
-                                        <p:cTn id="44" dur="1000" fill="hold"/>
-                                        <p:tgtEl>
-                                          <p:spTgt spid="13"/>
-                                        </p:tgtEl>
-                                        <p:attrNameLst>
-                                          <p:attrName>ppt_x</p:attrName>
-                                        </p:attrNameLst>
-                                      </p:cBhvr>
-                                      <p:tavLst>
-                                        <p:tav tm="0">
-                                          <p:val>
-                                            <p:strVal val="#ppt_x"/>
-                                          </p:val>
-                                        </p:tav>
-                                        <p:tav tm="100000">
-                                          <p:val>
-                                            <p:strVal val="#ppt_x"/>
-                                          </p:val>
-                                        </p:tav>
-                                      </p:tavLst>
-                                    </p:anim>
-                                    <p:anim calcmode="lin" valueType="num">
-                                      <p:cBhvr>
-                                        <p:cTn id="45" dur="1000" fill="hold"/>
-                                        <p:tgtEl>
-                                          <p:spTgt spid="13"/>
-                                        </p:tgtEl>
-                                        <p:attrNameLst>
-                                          <p:attrName>ppt_y</p:attrName>
-                                        </p:attrNameLst>
-                                      </p:cBhvr>
-                                      <p:tavLst>
-                                        <p:tav tm="0">
-                                          <p:val>
-                                            <p:strVal val="#ppt_y+.1"/>
-                                          </p:val>
-                                        </p:tav>
-                                        <p:tav tm="100000">
-                                          <p:val>
-                                            <p:strVal val="#ppt_y"/>
-                                          </p:val>
-                                        </p:tav>
-                                      </p:tavLst>
-                                    </p:anim>
                                   </p:childTnLst>
                                 </p:cTn>
                               </p:par>
@@ -5100,26 +4942,26 @@
                     </p:cTn>
                   </p:par>
                   <p:par>
-                    <p:cTn id="46" fill="hold">
+                    <p:cTn id="37" fill="hold">
                       <p:stCondLst>
                         <p:cond delay="indefinite"/>
                       </p:stCondLst>
                       <p:childTnLst>
                         <p:par>
-                          <p:cTn id="47" fill="hold">
+                          <p:cTn id="38" fill="hold">
                             <p:stCondLst>
                               <p:cond delay="0"/>
                             </p:stCondLst>
                             <p:childTnLst>
                               <p:par>
-                                <p:cTn id="48" presetID="31" presetClass="entr" presetSubtype="0" fill="hold" grpId="0" nodeType="clickEffect">
+                                <p:cTn id="39" presetID="31" presetClass="entr" presetSubtype="0" fill="hold" grpId="0" nodeType="clickEffect">
                                   <p:stCondLst>
                                     <p:cond delay="0"/>
                                   </p:stCondLst>
                                   <p:childTnLst>
                                     <p:set>
                                       <p:cBhvr>
-                                        <p:cTn id="49" dur="1" fill="hold">
+                                        <p:cTn id="40" dur="1" fill="hold">
                                           <p:stCondLst>
                                             <p:cond delay="0"/>
                                           </p:stCondLst>
@@ -5137,7 +4979,7 @@
                                     </p:set>
                                     <p:anim calcmode="lin" valueType="num">
                                       <p:cBhvr>
-                                        <p:cTn id="50" dur="1000" fill="hold"/>
+                                        <p:cTn id="41" dur="1000" fill="hold"/>
                                         <p:tgtEl>
                                           <p:spTgt spid="27"/>
                                         </p:tgtEl>
@@ -5160,7 +5002,7 @@
                                     </p:anim>
                                     <p:anim calcmode="lin" valueType="num">
                                       <p:cBhvr>
-                                        <p:cTn id="51" dur="1000" fill="hold"/>
+                                        <p:cTn id="42" dur="1000" fill="hold"/>
                                         <p:tgtEl>
                                           <p:spTgt spid="27"/>
                                         </p:tgtEl>
@@ -5183,7 +5025,7 @@
                                     </p:anim>
                                     <p:anim calcmode="lin" valueType="num">
                                       <p:cBhvr>
-                                        <p:cTn id="52" dur="1000" fill="hold"/>
+                                        <p:cTn id="43" dur="1000" fill="hold"/>
                                         <p:tgtEl>
                                           <p:spTgt spid="27"/>
                                         </p:tgtEl>
@@ -5206,7 +5048,7 @@
                                     </p:anim>
                                     <p:animEffect transition="in" filter="fade">
                                       <p:cBhvr>
-                                        <p:cTn id="53" dur="1000"/>
+                                        <p:cTn id="44" dur="1000"/>
                                         <p:tgtEl>
                                           <p:spTgt spid="27"/>
                                         </p:tgtEl>
@@ -5222,26 +5064,61 @@
                     </p:cTn>
                   </p:par>
                   <p:par>
-                    <p:cTn id="54" fill="hold">
+                    <p:cTn id="45" fill="hold">
                       <p:stCondLst>
                         <p:cond delay="indefinite"/>
                       </p:stCondLst>
                       <p:childTnLst>
                         <p:par>
-                          <p:cTn id="55" fill="hold">
+                          <p:cTn id="46" fill="hold">
                             <p:stCondLst>
                               <p:cond delay="0"/>
                             </p:stCondLst>
                             <p:childTnLst>
                               <p:par>
-                                <p:cTn id="56" presetID="10" presetClass="entr" presetSubtype="0" fill="hold" grpId="0" nodeType="clickEffect">
+                                <p:cTn id="47" presetID="10" presetClass="entr" presetSubtype="0" fill="hold" grpId="0" nodeType="clickEffect">
                                   <p:stCondLst>
                                     <p:cond delay="0"/>
                                   </p:stCondLst>
                                   <p:childTnLst>
                                     <p:set>
                                       <p:cBhvr>
-                                        <p:cTn id="57" dur="1" fill="hold">
+                                        <p:cTn id="48" dur="1" fill="hold">
+                                          <p:stCondLst>
+                                            <p:cond delay="0"/>
+                                          </p:stCondLst>
+                                        </p:cTn>
+                                        <p:tgtEl>
+                                          <p:spTgt spid="37"/>
+                                        </p:tgtEl>
+                                        <p:attrNameLst>
+                                          <p:attrName>style.visibility</p:attrName>
+                                        </p:attrNameLst>
+                                      </p:cBhvr>
+                                      <p:to>
+                                        <p:strVal val="visible"/>
+                                      </p:to>
+                                    </p:set>
+                                    <p:animEffect transition="in" filter="fade">
+                                      <p:cBhvr>
+                                        <p:cTn id="49" dur="1000"/>
+                                        <p:tgtEl>
+                                          <p:spTgt spid="37"/>
+                                        </p:tgtEl>
+                                      </p:cBhvr>
+                                    </p:animEffect>
+                                  </p:childTnLst>
+                                </p:cTn>
+                              </p:par>
+                              <p:par>
+                                <p:cTn id="50" presetID="10" presetClass="entr" presetSubtype="0" fill="hold" grpId="0" nodeType="withEffect">
+                                  <p:stCondLst>
+                                    <p:cond delay="0"/>
+                                  </p:stCondLst>
+                                  <p:childTnLst>
+                                    <p:set>
+                                      <p:cBhvr>
+                                        <p:cTn id="51" dur="1" fill="hold">
                                           <p:stCondLst>
                                             <p:cond delay="0"/>
                                           </p:stCondLst>
@@ -5259,7 +5136,7 @@
                                     </p:set>
                                     <p:animEffect transition="in" filter="fade">
                                       <p:cBhvr>
-                                        <p:cTn id="58" dur="500"/>
+                                        <p:cTn id="52" dur="1000"/>
                                         <p:tgtEl>
                                           <p:spTgt spid="29"/>
                                         </p:tgtEl>
@@ -5269,14 +5146,14 @@
                                 </p:cTn>
                               </p:par>
                               <p:par>
-                                <p:cTn id="59" presetID="10" presetClass="entr" presetSubtype="0" fill="hold" nodeType="withEffect">
+                                <p:cTn id="53" presetID="10" presetClass="entr" presetSubtype="0" fill="hold" nodeType="withEffect">
                                   <p:stCondLst>
                                     <p:cond delay="0"/>
                                   </p:stCondLst>
                                   <p:childTnLst>
                                     <p:set>
                                       <p:cBhvr>
-                                        <p:cTn id="60" dur="1" fill="hold">
+                                        <p:cTn id="54" dur="1" fill="hold">
                                           <p:stCondLst>
                                             <p:cond delay="0"/>
                                           </p:stCondLst>
@@ -5294,7 +5171,7 @@
                                     </p:set>
                                     <p:animEffect transition="in" filter="fade">
                                       <p:cBhvr>
-                                        <p:cTn id="61" dur="500"/>
+                                        <p:cTn id="55" dur="1000"/>
                                         <p:tgtEl>
                                           <p:spTgt spid="7"/>
                                         </p:tgtEl>
@@ -5303,86 +5180,15 @@
                                   </p:childTnLst>
                                 </p:cTn>
                               </p:par>
-                            </p:childTnLst>
-                          </p:cTn>
-                        </p:par>
-                      </p:childTnLst>
-                    </p:cTn>
-                  </p:par>
-                  <p:par>
-                    <p:cTn id="62" fill="hold">
-                      <p:stCondLst>
-                        <p:cond delay="indefinite"/>
-                      </p:stCondLst>
-                      <p:childTnLst>
-                        <p:par>
-                          <p:cTn id="63" fill="hold">
-                            <p:stCondLst>
-                              <p:cond delay="0"/>
-                            </p:stCondLst>
-                            <p:childTnLst>
                               <p:par>
-                                <p:cTn id="64" presetID="10" presetClass="entr" presetSubtype="0" fill="hold" grpId="0" nodeType="clickEffect">
+                                <p:cTn id="56" presetID="10" presetClass="entr" presetSubtype="0" fill="hold" nodeType="withEffect">
                                   <p:stCondLst>
                                     <p:cond delay="0"/>
                                   </p:stCondLst>
                                   <p:childTnLst>
                                     <p:set>
                                       <p:cBhvr>
-                                        <p:cTn id="65" dur="1" fill="hold">
-                                          <p:stCondLst>
-                                            <p:cond delay="0"/>
-                                          </p:stCondLst>
-                                        </p:cTn>
-                                        <p:tgtEl>
-                                          <p:spTgt spid="37"/>
-                                        </p:tgtEl>
-                                        <p:attrNameLst>
-                                          <p:attrName>style.visibility</p:attrName>
-                                        </p:attrNameLst>
-                                      </p:cBhvr>
-                                      <p:to>
-                                        <p:strVal val="visible"/>
-                                      </p:to>
-                                    </p:set>
-                                    <p:animEffect transition="in" filter="fade">
-                                      <p:cBhvr>
-                                        <p:cTn id="66" dur="500"/>
-                                        <p:tgtEl>
-                                          <p:spTgt spid="37"/>
-                                        </p:tgtEl>
-                                      </p:cBhvr>
-                                    </p:animEffect>
-                                  </p:childTnLst>
-                                </p:cTn>
-                              </p:par>
-                            </p:childTnLst>
-                          </p:cTn>
-                        </p:par>
-                      </p:childTnLst>
-                    </p:cTn>
-                  </p:par>
-                  <p:par>
-                    <p:cTn id="67" fill="hold">
-                      <p:stCondLst>
-                        <p:cond delay="indefinite"/>
-                      </p:stCondLst>
-                      <p:childTnLst>
-                        <p:par>
-                          <p:cTn id="68" fill="hold">
-                            <p:stCondLst>
-                              <p:cond delay="0"/>
-                            </p:stCondLst>
-                            <p:childTnLst>
-                              <p:par>
-                                <p:cTn id="69" presetID="10" presetClass="entr" presetSubtype="0" fill="hold" nodeType="clickEffect">
-                                  <p:stCondLst>
-                                    <p:cond delay="0"/>
-                                  </p:stCondLst>
-                                  <p:childTnLst>
-                                    <p:set>
-                                      <p:cBhvr>
-                                        <p:cTn id="70" dur="1" fill="hold">
+                                        <p:cTn id="57" dur="1" fill="hold">
                                           <p:stCondLst>
                                             <p:cond delay="0"/>
                                           </p:stCondLst>
@@ -5400,7 +5206,7 @@
                                     </p:set>
                                     <p:animEffect transition="in" filter="fade">
                                       <p:cBhvr>
-                                        <p:cTn id="71" dur="500"/>
+                                        <p:cTn id="58" dur="1000"/>
                                         <p:tgtEl>
                                           <p:spTgt spid="9"/>
                                         </p:tgtEl>
@@ -5410,14 +5216,14 @@
                                 </p:cTn>
                               </p:par>
                               <p:par>
-                                <p:cTn id="72" presetID="10" presetClass="entr" presetSubtype="0" fill="hold" grpId="0" nodeType="withEffect">
+                                <p:cTn id="59" presetID="10" presetClass="entr" presetSubtype="0" fill="hold" grpId="0" nodeType="withEffect">
                                   <p:stCondLst>
                                     <p:cond delay="0"/>
                                   </p:stCondLst>
                                   <p:childTnLst>
                                     <p:set>
                                       <p:cBhvr>
-                                        <p:cTn id="73" dur="1" fill="hold">
+                                        <p:cTn id="60" dur="1" fill="hold">
                                           <p:stCondLst>
                                             <p:cond delay="0"/>
                                           </p:stCondLst>
@@ -5435,7 +5241,7 @@
                                     </p:set>
                                     <p:animEffect transition="in" filter="fade">
                                       <p:cBhvr>
-                                        <p:cTn id="74" dur="500"/>
+                                        <p:cTn id="61" dur="1000"/>
                                         <p:tgtEl>
                                           <p:spTgt spid="36"/>
                                         </p:tgtEl>
@@ -5444,33 +5250,15 @@
                                   </p:childTnLst>
                                 </p:cTn>
                               </p:par>
-                            </p:childTnLst>
-                          </p:cTn>
-                        </p:par>
-                      </p:childTnLst>
-                    </p:cTn>
-                  </p:par>
-                  <p:par>
-                    <p:cTn id="75" fill="hold">
-                      <p:stCondLst>
-                        <p:cond delay="indefinite"/>
-                      </p:stCondLst>
-                      <p:childTnLst>
-                        <p:par>
-                          <p:cTn id="76" fill="hold">
-                            <p:stCondLst>
-                              <p:cond delay="0"/>
-                            </p:stCondLst>
-                            <p:childTnLst>
                               <p:par>
-                                <p:cTn id="77" presetID="31" presetClass="entr" presetSubtype="0" fill="hold" grpId="0" nodeType="clickEffect">
+                                <p:cTn id="62" presetID="31" presetClass="entr" presetSubtype="0" fill="hold" grpId="0" nodeType="withEffect">
                                   <p:stCondLst>
                                     <p:cond delay="0"/>
                                   </p:stCondLst>
                                   <p:childTnLst>
                                     <p:set>
                                       <p:cBhvr>
-                                        <p:cTn id="78" dur="1" fill="hold">
+                                        <p:cTn id="63" dur="1" fill="hold">
                                           <p:stCondLst>
                                             <p:cond delay="0"/>
                                           </p:stCondLst>
@@ -5488,7 +5276,7 @@
                                     </p:set>
                                     <p:anim calcmode="lin" valueType="num">
                                       <p:cBhvr>
-                                        <p:cTn id="79" dur="1000" fill="hold"/>
+                                        <p:cTn id="64" dur="1000" fill="hold"/>
                                         <p:tgtEl>
                                           <p:spTgt spid="28"/>
                                         </p:tgtEl>
@@ -5511,7 +5299,7 @@
                                     </p:anim>
                                     <p:anim calcmode="lin" valueType="num">
                                       <p:cBhvr>
-                                        <p:cTn id="80" dur="1000" fill="hold"/>
+                                        <p:cTn id="65" dur="1000" fill="hold"/>
                                         <p:tgtEl>
                                           <p:spTgt spid="28"/>
                                         </p:tgtEl>
@@ -5534,7 +5322,7 @@
                                     </p:anim>
                                     <p:anim calcmode="lin" valueType="num">
                                       <p:cBhvr>
-                                        <p:cTn id="81" dur="1000" fill="hold"/>
+                                        <p:cTn id="66" dur="1000" fill="hold"/>
                                         <p:tgtEl>
                                           <p:spTgt spid="28"/>
                                         </p:tgtEl>
@@ -5557,7 +5345,7 @@
                                     </p:anim>
                                     <p:animEffect transition="in" filter="fade">
                                       <p:cBhvr>
-                                        <p:cTn id="82" dur="1000"/>
+                                        <p:cTn id="67" dur="1000"/>
                                         <p:tgtEl>
                                           <p:spTgt spid="28"/>
                                         </p:tgtEl>
@@ -5573,26 +5361,26 @@
                     </p:cTn>
                   </p:par>
                   <p:par>
-                    <p:cTn id="83" fill="hold">
+                    <p:cTn id="68" fill="hold">
                       <p:stCondLst>
                         <p:cond delay="indefinite"/>
                       </p:stCondLst>
                       <p:childTnLst>
                         <p:par>
-                          <p:cTn id="84" fill="hold">
+                          <p:cTn id="69" fill="hold">
                             <p:stCondLst>
                               <p:cond delay="0"/>
                             </p:stCondLst>
                             <p:childTnLst>
                               <p:par>
-                                <p:cTn id="85" presetID="2" presetClass="entr" presetSubtype="8" fill="hold" grpId="0" nodeType="clickEffect">
+                                <p:cTn id="70" presetID="2" presetClass="entr" presetSubtype="8" fill="hold" grpId="0" nodeType="clickEffect">
                                   <p:stCondLst>
                                     <p:cond delay="0"/>
                                   </p:stCondLst>
                                   <p:childTnLst>
                                     <p:set>
                                       <p:cBhvr>
-                                        <p:cTn id="86" dur="1" fill="hold">
+                                        <p:cTn id="71" dur="1" fill="hold">
                                           <p:stCondLst>
                                             <p:cond delay="0"/>
                                           </p:stCondLst>
@@ -5610,7 +5398,7 @@
                                     </p:set>
                                     <p:anim calcmode="lin" valueType="num">
                                       <p:cBhvr additive="base">
-                                        <p:cTn id="87" dur="500" fill="hold"/>
+                                        <p:cTn id="72" dur="500" fill="hold"/>
                                         <p:tgtEl>
                                           <p:spTgt spid="30"/>
                                         </p:tgtEl>
@@ -5633,7 +5421,7 @@
                                     </p:anim>
                                     <p:anim calcmode="lin" valueType="num">
                                       <p:cBhvr additive="base">
-                                        <p:cTn id="88" dur="500" fill="hold"/>
+                                        <p:cTn id="73" dur="500" fill="hold"/>
                                         <p:tgtEl>
                                           <p:spTgt spid="30"/>
                                         </p:tgtEl>
@@ -5664,26 +5452,26 @@
                     </p:cTn>
                   </p:par>
                   <p:par>
-                    <p:cTn id="89" fill="hold">
+                    <p:cTn id="74" fill="hold">
                       <p:stCondLst>
                         <p:cond delay="indefinite"/>
                       </p:stCondLst>
                       <p:childTnLst>
                         <p:par>
-                          <p:cTn id="90" fill="hold">
+                          <p:cTn id="75" fill="hold">
                             <p:stCondLst>
                               <p:cond delay="0"/>
                             </p:stCondLst>
                             <p:childTnLst>
                               <p:par>
-                                <p:cTn id="91" presetID="47" presetClass="entr" presetSubtype="0" fill="hold" nodeType="clickEffect">
+                                <p:cTn id="76" presetID="10" presetClass="entr" presetSubtype="0" fill="hold" nodeType="clickEffect">
                                   <p:stCondLst>
                                     <p:cond delay="0"/>
                                   </p:stCondLst>
                                   <p:childTnLst>
                                     <p:set>
                                       <p:cBhvr>
-                                        <p:cTn id="92" dur="1" fill="hold">
+                                        <p:cTn id="77" dur="1" fill="hold">
                                           <p:stCondLst>
                                             <p:cond delay="0"/>
                                           </p:stCondLst>
@@ -5701,70 +5489,24 @@
                                     </p:set>
                                     <p:animEffect transition="in" filter="fade">
                                       <p:cBhvr>
-                                        <p:cTn id="93" dur="1000"/>
+                                        <p:cTn id="78" dur="1500"/>
                                         <p:tgtEl>
                                           <p:spTgt spid="31"/>
                                         </p:tgtEl>
                                       </p:cBhvr>
                                     </p:animEffect>
-                                    <p:anim calcmode="lin" valueType="num">
-                                      <p:cBhvr>
-                                        <p:cTn id="94" dur="1000" fill="hold"/>
-                                        <p:tgtEl>
-                                          <p:spTgt spid="31"/>
-                                        </p:tgtEl>
-                                        <p:attrNameLst>
-                                          <p:attrName>ppt_x</p:attrName>
-                                        </p:attrNameLst>
-                                      </p:cBhvr>
-                                      <p:tavLst>
-                                        <p:tav tm="0">
-                                          <p:val>
-                                            <p:strVal val="#ppt_x"/>
-                                          </p:val>
-                                        </p:tav>
-                                        <p:tav tm="100000">
-                                          <p:val>
-                                            <p:strVal val="#ppt_x"/>
-                                          </p:val>
-                                        </p:tav>
-                                      </p:tavLst>
-                                    </p:anim>
-                                    <p:anim calcmode="lin" valueType="num">
-                                      <p:cBhvr>
-                                        <p:cTn id="95" dur="1000" fill="hold"/>
-                                        <p:tgtEl>
-                                          <p:spTgt spid="31"/>
-                                        </p:tgtEl>
-                                        <p:attrNameLst>
-                                          <p:attrName>ppt_y</p:attrName>
-                                        </p:attrNameLst>
-                                      </p:cBhvr>
-                                      <p:tavLst>
-                                        <p:tav tm="0">
-                                          <p:val>
-                                            <p:strVal val="#ppt_y-.1"/>
-                                          </p:val>
-                                        </p:tav>
-                                        <p:tav tm="100000">
-                                          <p:val>
-                                            <p:strVal val="#ppt_y"/>
-                                          </p:val>
-                                        </p:tav>
-                                      </p:tavLst>
-                                    </p:anim>
                                   </p:childTnLst>
                                 </p:cTn>
                               </p:par>
                               <p:par>
-                                <p:cTn id="96" presetID="47" presetClass="entr" presetSubtype="0" fill="hold" grpId="0" nodeType="withEffect">
+                                <p:cTn id="79" presetID="10" presetClass="entr" presetSubtype="0" fill="hold" grpId="0" nodeType="withEffect">
                                   <p:stCondLst>
                                     <p:cond delay="0"/>
                                   </p:stCondLst>
                                   <p:childTnLst>
                                     <p:set>
                                       <p:cBhvr>
-                                        <p:cTn id="97" dur="1" fill="hold">
+                                        <p:cTn id="80" dur="1" fill="hold">
                                           <p:stCondLst>
                                             <p:cond delay="0"/>
                                           </p:stCondLst>
@@ -5782,58 +5524,12 @@
                                     </p:set>
                                     <p:animEffect transition="in" filter="fade">
                                       <p:cBhvr>
-                                        <p:cTn id="98" dur="1000"/>
+                                        <p:cTn id="81" dur="1500"/>
                                         <p:tgtEl>
                                           <p:spTgt spid="32"/>
                                         </p:tgtEl>
                                       </p:cBhvr>
                                     </p:animEffect>
-                                    <p:anim calcmode="lin" valueType="num">
-                                      <p:cBhvr>
-                                        <p:cTn id="99" dur="1000" fill="hold"/>
-                                        <p:tgtEl>
-                                          <p:spTgt spid="32"/>
-                                        </p:tgtEl>
-                                        <p:attrNameLst>
-                                          <p:attrName>ppt_x</p:attrName>
-                                        </p:attrNameLst>
-                                      </p:cBhvr>
-                                      <p:tavLst>
-                                        <p:tav tm="0">
-                                          <p:val>
-                                            <p:strVal val="#ppt_x"/>
-                                          </p:val>
-                                        </p:tav>
-                                        <p:tav tm="100000">
-                                          <p:val>
-                                            <p:strVal val="#ppt_x"/>
-                                          </p:val>
-                                        </p:tav>
-                                      </p:tavLst>
-                                    </p:anim>
-                                    <p:anim calcmode="lin" valueType="num">
-                                      <p:cBhvr>
-                                        <p:cTn id="100" dur="1000" fill="hold"/>
-                                        <p:tgtEl>
-                                          <p:spTgt spid="32"/>
-                                        </p:tgtEl>
-                                        <p:attrNameLst>
-                                          <p:attrName>ppt_y</p:attrName>
-                                        </p:attrNameLst>
-                                      </p:cBhvr>
-                                      <p:tavLst>
-                                        <p:tav tm="0">
-                                          <p:val>
-                                            <p:strVal val="#ppt_y-.1"/>
-                                          </p:val>
-                                        </p:tav>
-                                        <p:tav tm="100000">
-                                          <p:val>
-                                            <p:strVal val="#ppt_y"/>
-                                          </p:val>
-                                        </p:tav>
-                                      </p:tavLst>
-                                    </p:anim>
                                   </p:childTnLst>
                                 </p:cTn>
                               </p:par>
@@ -5841,20 +5537,20 @@
                           </p:cTn>
                         </p:par>
                         <p:par>
-                          <p:cTn id="101" fill="hold">
+                          <p:cTn id="82" fill="hold">
                             <p:stCondLst>
-                              <p:cond delay="1000"/>
+                              <p:cond delay="1500"/>
                             </p:stCondLst>
                             <p:childTnLst>
                               <p:par>
-                                <p:cTn id="102" presetID="10" presetClass="exit" presetSubtype="0" fill="hold" grpId="0" nodeType="afterEffect">
+                                <p:cTn id="83" presetID="10" presetClass="exit" presetSubtype="0" fill="hold" grpId="0" nodeType="afterEffect">
                                   <p:stCondLst>
-                                    <p:cond delay="10000"/>
+                                    <p:cond delay="5000"/>
                                   </p:stCondLst>
                                   <p:childTnLst>
                                     <p:animEffect transition="out" filter="fade">
                                       <p:cBhvr>
-                                        <p:cTn id="103" dur="500"/>
+                                        <p:cTn id="84" dur="500"/>
                                         <p:tgtEl>
                                           <p:spTgt spid="2"/>
                                         </p:tgtEl>
@@ -5862,7 +5558,7 @@
                                     </p:animEffect>
                                     <p:set>
                                       <p:cBhvr>
-                                        <p:cTn id="104" dur="1" fill="hold">
+                                        <p:cTn id="85" dur="1" fill="hold">
                                           <p:stCondLst>
                                             <p:cond delay="499"/>
                                           </p:stCondLst>
